--- a/Apresentação.pptx
+++ b/Apresentação.pptx
@@ -7,6 +7,12 @@
   <p:sldIdLst>
     <p:sldId id="256" r:id="rId2"/>
     <p:sldId id="257" r:id="rId3"/>
+    <p:sldId id="258" r:id="rId4"/>
+    <p:sldId id="259" r:id="rId5"/>
+    <p:sldId id="260" r:id="rId6"/>
+    <p:sldId id="261" r:id="rId7"/>
+    <p:sldId id="262" r:id="rId8"/>
+    <p:sldId id="263" r:id="rId9"/>
   </p:sldIdLst>
   <p:sldSz cx="12192000" cy="6858000"/>
   <p:notesSz cx="6858000" cy="9144000"/>
@@ -105,6 +111,11 @@
       </a:defRPr>
     </a:lvl9pPr>
   </p:defaultTextStyle>
+  <p:extLst>
+    <p:ext uri="{EFAFB233-063F-42B5-8137-9DF3F51BA10A}">
+      <p15:sldGuideLst xmlns:p15="http://schemas.microsoft.com/office/powerpoint/2012/main"/>
+    </p:ext>
+  </p:extLst>
 </p:presentation>
 </file>
 
@@ -271,7 +282,7 @@
           <a:p>
             <a:fld id="{76E5AC4B-8FF4-4325-818C-BC4162069A8A}" type="datetimeFigureOut">
               <a:rPr lang="pt-PT" smtClean="0"/>
-              <a:t>30/12/2023</a:t>
+              <a:t>01/01/2024</a:t>
             </a:fld>
             <a:endParaRPr lang="pt-PT"/>
           </a:p>
@@ -441,7 +452,7 @@
           <a:p>
             <a:fld id="{76E5AC4B-8FF4-4325-818C-BC4162069A8A}" type="datetimeFigureOut">
               <a:rPr lang="pt-PT" smtClean="0"/>
-              <a:t>30/12/2023</a:t>
+              <a:t>01/01/2024</a:t>
             </a:fld>
             <a:endParaRPr lang="pt-PT"/>
           </a:p>
@@ -621,7 +632,7 @@
           <a:p>
             <a:fld id="{76E5AC4B-8FF4-4325-818C-BC4162069A8A}" type="datetimeFigureOut">
               <a:rPr lang="pt-PT" smtClean="0"/>
-              <a:t>30/12/2023</a:t>
+              <a:t>01/01/2024</a:t>
             </a:fld>
             <a:endParaRPr lang="pt-PT"/>
           </a:p>
@@ -791,7 +802,7 @@
           <a:p>
             <a:fld id="{76E5AC4B-8FF4-4325-818C-BC4162069A8A}" type="datetimeFigureOut">
               <a:rPr lang="pt-PT" smtClean="0"/>
-              <a:t>30/12/2023</a:t>
+              <a:t>01/01/2024</a:t>
             </a:fld>
             <a:endParaRPr lang="pt-PT"/>
           </a:p>
@@ -1059,7 +1070,7 @@
           <a:p>
             <a:fld id="{76E5AC4B-8FF4-4325-818C-BC4162069A8A}" type="datetimeFigureOut">
               <a:rPr lang="pt-PT" smtClean="0"/>
-              <a:t>30/12/2023</a:t>
+              <a:t>01/01/2024</a:t>
             </a:fld>
             <a:endParaRPr lang="pt-PT"/>
           </a:p>
@@ -1291,7 +1302,7 @@
           <a:p>
             <a:fld id="{76E5AC4B-8FF4-4325-818C-BC4162069A8A}" type="datetimeFigureOut">
               <a:rPr lang="pt-PT" smtClean="0"/>
-              <a:t>30/12/2023</a:t>
+              <a:t>01/01/2024</a:t>
             </a:fld>
             <a:endParaRPr lang="pt-PT"/>
           </a:p>
@@ -1650,7 +1661,7 @@
           <a:p>
             <a:fld id="{76E5AC4B-8FF4-4325-818C-BC4162069A8A}" type="datetimeFigureOut">
               <a:rPr lang="pt-PT" smtClean="0"/>
-              <a:t>30/12/2023</a:t>
+              <a:t>01/01/2024</a:t>
             </a:fld>
             <a:endParaRPr lang="pt-PT"/>
           </a:p>
@@ -1791,7 +1802,7 @@
           <a:p>
             <a:fld id="{76E5AC4B-8FF4-4325-818C-BC4162069A8A}" type="datetimeFigureOut">
               <a:rPr lang="pt-PT" smtClean="0"/>
-              <a:t>30/12/2023</a:t>
+              <a:t>01/01/2024</a:t>
             </a:fld>
             <a:endParaRPr lang="pt-PT"/>
           </a:p>
@@ -1886,7 +1897,7 @@
           <a:p>
             <a:fld id="{76E5AC4B-8FF4-4325-818C-BC4162069A8A}" type="datetimeFigureOut">
               <a:rPr lang="pt-PT" smtClean="0"/>
-              <a:t>30/12/2023</a:t>
+              <a:t>01/01/2024</a:t>
             </a:fld>
             <a:endParaRPr lang="pt-PT"/>
           </a:p>
@@ -2243,7 +2254,7 @@
           <a:p>
             <a:fld id="{76E5AC4B-8FF4-4325-818C-BC4162069A8A}" type="datetimeFigureOut">
               <a:rPr lang="pt-PT" smtClean="0"/>
-              <a:t>30/12/2023</a:t>
+              <a:t>01/01/2024</a:t>
             </a:fld>
             <a:endParaRPr lang="pt-PT"/>
           </a:p>
@@ -2600,7 +2611,7 @@
           <a:p>
             <a:fld id="{76E5AC4B-8FF4-4325-818C-BC4162069A8A}" type="datetimeFigureOut">
               <a:rPr lang="pt-PT" smtClean="0"/>
-              <a:t>30/12/2023</a:t>
+              <a:t>01/01/2024</a:t>
             </a:fld>
             <a:endParaRPr lang="pt-PT"/>
           </a:p>
@@ -2842,7 +2853,7 @@
           <a:p>
             <a:fld id="{76E5AC4B-8FF4-4325-818C-BC4162069A8A}" type="datetimeFigureOut">
               <a:rPr lang="pt-PT" smtClean="0"/>
-              <a:t>30/12/2023</a:t>
+              <a:t>01/01/2024</a:t>
             </a:fld>
             <a:endParaRPr lang="pt-PT"/>
           </a:p>
@@ -3380,6 +3391,14 @@
 <file path=ppt/slides/slide2.xml><?xml version="1.0" encoding="utf-8"?>
 <p:sld xmlns:a="http://schemas.openxmlformats.org/drawingml/2006/main" xmlns:r="http://schemas.openxmlformats.org/officeDocument/2006/relationships" xmlns:p="http://schemas.openxmlformats.org/presentationml/2006/main">
   <p:cSld>
+    <p:bg>
+      <p:bgPr>
+        <a:solidFill>
+          <a:schemeClr val="accent2"/>
+        </a:solidFill>
+        <a:effectLst/>
+      </p:bgPr>
+    </p:bg>
     <p:spTree>
       <p:nvGrpSpPr>
         <p:cNvPr id="1" name=""/>
@@ -3410,44 +3429,783 @@
             <p:ph type="title"/>
           </p:nvPr>
         </p:nvSpPr>
-        <p:spPr/>
-        <p:txBody>
-          <a:bodyPr/>
-          <a:lstStyle/>
-          <a:p>
-            <a:endParaRPr lang="pt-PT"/>
-          </a:p>
-        </p:txBody>
-      </p:sp>
-      <p:sp>
-        <p:nvSpPr>
-          <p:cNvPr id="3" name="Marcador de Posição de Conteúdo 2">
+        <p:spPr>
+          <a:xfrm>
+            <a:off x="8340090" y="2404872"/>
+            <a:ext cx="3044952" cy="1627632"/>
+          </a:xfrm>
+        </p:spPr>
+        <p:txBody>
+          <a:bodyPr vert="horz" lIns="274320" tIns="182880" rIns="274320" bIns="182880" rtlCol="0" anchor="ctr" anchorCtr="1">
+            <a:normAutofit/>
+          </a:bodyPr>
+          <a:lstStyle/>
+          <a:p>
+            <a:r>
+              <a:rPr lang="en-US"/>
+              <a:t>Diagrama de classes</a:t>
+            </a:r>
+          </a:p>
+        </p:txBody>
+      </p:sp>
+      <p:sp>
+        <p:nvSpPr>
+          <p:cNvPr id="10" name="Rectangle 9">
             <a:extLst>
               <a:ext uri="{FF2B5EF4-FFF2-40B4-BE49-F238E27FC236}">
-                <a16:creationId xmlns:a16="http://schemas.microsoft.com/office/drawing/2014/main" id="{4AFF5387-A904-8DB7-C509-D757801DACD8}"/>
+                <a16:creationId xmlns:a16="http://schemas.microsoft.com/office/drawing/2014/main" id="{CB94C45D-FCB1-4B86-967A-2C9EDB637F0C}"/>
+              </a:ext>
+              <a:ext uri="{C183D7F6-B498-43B3-948B-1728B52AA6E4}">
+                <adec:decorative xmlns:adec="http://schemas.microsoft.com/office/drawing/2017/decorative" val="1"/>
               </a:ext>
             </a:extLst>
           </p:cNvPr>
           <p:cNvSpPr>
-            <a:spLocks noGrp="1"/>
-          </p:cNvSpPr>
-          <p:nvPr>
-            <p:ph idx="1"/>
-          </p:nvPr>
-        </p:nvSpPr>
-        <p:spPr/>
-        <p:txBody>
-          <a:bodyPr/>
-          <a:lstStyle/>
-          <a:p>
-            <a:endParaRPr lang="pt-PT"/>
-          </a:p>
-        </p:txBody>
-      </p:sp>
+            <a:spLocks noGrp="1" noRot="1" noChangeAspect="1" noMove="1" noResize="1" noEditPoints="1" noAdjustHandles="1" noChangeArrowheads="1" noChangeShapeType="1" noTextEdit="1"/>
+          </p:cNvSpPr>
+          <p:nvPr>
+            <p:extLst>
+              <p:ext uri="{386F3935-93C4-4BCD-93E2-E3B085C9AB24}">
+                <p16:designElem xmlns:p16="http://schemas.microsoft.com/office/powerpoint/2015/main" val="1"/>
+              </p:ext>
+            </p:extLst>
+          </p:nvPr>
+        </p:nvSpPr>
+        <p:spPr>
+          <a:xfrm>
+            <a:off x="627045" y="640080"/>
+            <a:ext cx="6897625" cy="5263134"/>
+          </a:xfrm>
+          <a:prstGeom prst="rect">
+            <a:avLst/>
+          </a:prstGeom>
+          <a:noFill/>
+          <a:ln w="31750" cap="sq">
+            <a:solidFill>
+              <a:srgbClr val="FFFFFF"/>
+            </a:solidFill>
+            <a:miter lim="800000"/>
+          </a:ln>
+        </p:spPr>
+        <p:style>
+          <a:lnRef idx="2">
+            <a:schemeClr val="accent1">
+              <a:shade val="50000"/>
+            </a:schemeClr>
+          </a:lnRef>
+          <a:fillRef idx="1">
+            <a:schemeClr val="accent1"/>
+          </a:fillRef>
+          <a:effectRef idx="0">
+            <a:schemeClr val="accent1"/>
+          </a:effectRef>
+          <a:fontRef idx="minor">
+            <a:schemeClr val="lt1"/>
+          </a:fontRef>
+        </p:style>
+        <p:txBody>
+          <a:bodyPr rtlCol="0" anchor="ctr"/>
+          <a:lstStyle/>
+          <a:p>
+            <a:pPr algn="ctr"/>
+            <a:endParaRPr lang="en-US" dirty="0"/>
+          </a:p>
+        </p:txBody>
+      </p:sp>
+      <p:sp>
+        <p:nvSpPr>
+          <p:cNvPr id="12" name="Rectangle 11">
+            <a:extLst>
+              <a:ext uri="{FF2B5EF4-FFF2-40B4-BE49-F238E27FC236}">
+                <a16:creationId xmlns:a16="http://schemas.microsoft.com/office/drawing/2014/main" id="{232C4A34-762E-40DF-A8AF-0D811BC0258B}"/>
+              </a:ext>
+              <a:ext uri="{C183D7F6-B498-43B3-948B-1728B52AA6E4}">
+                <adec:decorative xmlns:adec="http://schemas.microsoft.com/office/drawing/2017/decorative" val="1"/>
+              </a:ext>
+            </a:extLst>
+          </p:cNvPr>
+          <p:cNvSpPr>
+            <a:spLocks noGrp="1" noRot="1" noChangeAspect="1" noMove="1" noResize="1" noEditPoints="1" noAdjustHandles="1" noChangeArrowheads="1" noChangeShapeType="1" noTextEdit="1"/>
+          </p:cNvSpPr>
+          <p:nvPr>
+            <p:extLst>
+              <p:ext uri="{386F3935-93C4-4BCD-93E2-E3B085C9AB24}">
+                <p16:designElem xmlns:p16="http://schemas.microsoft.com/office/powerpoint/2015/main" val="1"/>
+              </p:ext>
+            </p:extLst>
+          </p:nvPr>
+        </p:nvSpPr>
+        <p:spPr>
+          <a:xfrm>
+            <a:off x="793161" y="802767"/>
+            <a:ext cx="6565392" cy="4937760"/>
+          </a:xfrm>
+          <a:prstGeom prst="rect">
+            <a:avLst/>
+          </a:prstGeom>
+          <a:solidFill>
+            <a:srgbClr val="FFFFFF"/>
+          </a:solidFill>
+          <a:ln>
+            <a:noFill/>
+          </a:ln>
+        </p:spPr>
+        <p:style>
+          <a:lnRef idx="2">
+            <a:schemeClr val="accent1">
+              <a:shade val="50000"/>
+            </a:schemeClr>
+          </a:lnRef>
+          <a:fillRef idx="1">
+            <a:schemeClr val="accent1"/>
+          </a:fillRef>
+          <a:effectRef idx="0">
+            <a:schemeClr val="accent1"/>
+          </a:effectRef>
+          <a:fontRef idx="minor">
+            <a:schemeClr val="lt1"/>
+          </a:fontRef>
+        </p:style>
+        <p:txBody>
+          <a:bodyPr rtlCol="0" anchor="ctr"/>
+          <a:lstStyle/>
+          <a:p>
+            <a:pPr algn="ctr"/>
+            <a:endParaRPr lang="en-US"/>
+          </a:p>
+        </p:txBody>
+      </p:sp>
+      <p:pic>
+        <p:nvPicPr>
+          <p:cNvPr id="5" name="Imagem 4" descr="Uma imagem com texto, diagrama, Esquema, Desenho técnico&#10;&#10;Descrição gerada automaticamente">
+            <a:extLst>
+              <a:ext uri="{FF2B5EF4-FFF2-40B4-BE49-F238E27FC236}">
+                <a16:creationId xmlns:a16="http://schemas.microsoft.com/office/drawing/2014/main" id="{33C663D9-779F-CFA5-1FC0-3BA0B079A1E4}"/>
+              </a:ext>
+            </a:extLst>
+          </p:cNvPr>
+          <p:cNvPicPr>
+            <a:picLocks noChangeAspect="1"/>
+          </p:cNvPicPr>
+          <p:nvPr/>
+        </p:nvPicPr>
+        <p:blipFill rotWithShape="1">
+          <a:blip r:embed="rId2"/>
+          <a:srcRect r="388" b="1"/>
+          <a:stretch/>
+        </p:blipFill>
+        <p:spPr>
+          <a:xfrm>
+            <a:off x="1113201" y="1122807"/>
+            <a:ext cx="5925312" cy="4297680"/>
+          </a:xfrm>
+          <a:prstGeom prst="rect">
+            <a:avLst/>
+          </a:prstGeom>
+        </p:spPr>
+      </p:pic>
     </p:spTree>
     <p:extLst>
       <p:ext uri="{BB962C8B-B14F-4D97-AF65-F5344CB8AC3E}">
         <p14:creationId xmlns:p14="http://schemas.microsoft.com/office/powerpoint/2010/main" val="1109284220"/>
+      </p:ext>
+    </p:extLst>
+  </p:cSld>
+  <p:clrMapOvr>
+    <a:masterClrMapping/>
+  </p:clrMapOvr>
+  <p:timing>
+    <p:tnLst>
+      <p:par>
+        <p:cTn id="1" dur="indefinite" restart="never" nodeType="tmRoot">
+          <p:childTnLst>
+            <p:seq concurrent="1" nextAc="seek">
+              <p:cTn id="2" dur="indefinite" nodeType="mainSeq">
+                <p:childTnLst>
+                  <p:par>
+                    <p:cTn id="3" fill="hold">
+                      <p:stCondLst>
+                        <p:cond delay="indefinite"/>
+                        <p:cond evt="onBegin" delay="0">
+                          <p:tn val="2"/>
+                        </p:cond>
+                      </p:stCondLst>
+                      <p:childTnLst>
+                        <p:par>
+                          <p:cTn id="4" fill="hold">
+                            <p:stCondLst>
+                              <p:cond delay="0"/>
+                            </p:stCondLst>
+                            <p:childTnLst>
+                              <p:par>
+                                <p:cTn id="5" presetID="10" presetClass="entr" presetSubtype="0" fill="hold" grpId="0" nodeType="withEffect">
+                                  <p:stCondLst>
+                                    <p:cond delay="1000"/>
+                                  </p:stCondLst>
+                                  <p:iterate>
+                                    <p:tmPct val="10000"/>
+                                  </p:iterate>
+                                  <p:childTnLst>
+                                    <p:set>
+                                      <p:cBhvr>
+                                        <p:cTn id="6" dur="1" fill="hold">
+                                          <p:stCondLst>
+                                            <p:cond delay="0"/>
+                                          </p:stCondLst>
+                                        </p:cTn>
+                                        <p:tgtEl>
+                                          <p:spTgt spid="2"/>
+                                        </p:tgtEl>
+                                        <p:attrNameLst>
+                                          <p:attrName>style.visibility</p:attrName>
+                                        </p:attrNameLst>
+                                      </p:cBhvr>
+                                      <p:to>
+                                        <p:strVal val="visible"/>
+                                      </p:to>
+                                    </p:set>
+                                    <p:animEffect transition="in" filter="fade">
+                                      <p:cBhvr>
+                                        <p:cTn id="7" dur="700"/>
+                                        <p:tgtEl>
+                                          <p:spTgt spid="2"/>
+                                        </p:tgtEl>
+                                      </p:cBhvr>
+                                    </p:animEffect>
+                                  </p:childTnLst>
+                                </p:cTn>
+                              </p:par>
+                            </p:childTnLst>
+                          </p:cTn>
+                        </p:par>
+                      </p:childTnLst>
+                    </p:cTn>
+                  </p:par>
+                </p:childTnLst>
+              </p:cTn>
+              <p:prevCondLst>
+                <p:cond evt="onPrev" delay="0">
+                  <p:tgtEl>
+                    <p:sldTgt/>
+                  </p:tgtEl>
+                </p:cond>
+              </p:prevCondLst>
+              <p:nextCondLst>
+                <p:cond evt="onNext" delay="0">
+                  <p:tgtEl>
+                    <p:sldTgt/>
+                  </p:tgtEl>
+                </p:cond>
+              </p:nextCondLst>
+            </p:seq>
+          </p:childTnLst>
+        </p:cTn>
+      </p:par>
+    </p:tnLst>
+    <p:bldLst>
+      <p:bldP spid="2" grpId="0" animBg="1"/>
+    </p:bldLst>
+  </p:timing>
+</p:sld>
+</file>
+
+<file path=ppt/slides/slide3.xml><?xml version="1.0" encoding="utf-8"?>
+<p:sld xmlns:a="http://schemas.openxmlformats.org/drawingml/2006/main" xmlns:r="http://schemas.openxmlformats.org/officeDocument/2006/relationships" xmlns:p="http://schemas.openxmlformats.org/presentationml/2006/main">
+  <p:cSld>
+    <p:spTree>
+      <p:nvGrpSpPr>
+        <p:cNvPr id="1" name=""/>
+        <p:cNvGrpSpPr/>
+        <p:nvPr/>
+      </p:nvGrpSpPr>
+      <p:grpSpPr>
+        <a:xfrm>
+          <a:off x="0" y="0"/>
+          <a:ext cx="0" cy="0"/>
+          <a:chOff x="0" y="0"/>
+          <a:chExt cx="0" cy="0"/>
+        </a:xfrm>
+      </p:grpSpPr>
+      <p:sp>
+        <p:nvSpPr>
+          <p:cNvPr id="2" name="Título 1">
+            <a:extLst>
+              <a:ext uri="{FF2B5EF4-FFF2-40B4-BE49-F238E27FC236}">
+                <a16:creationId xmlns:a16="http://schemas.microsoft.com/office/drawing/2014/main" id="{A26B8182-42C0-639C-F8F9-7C0B57034925}"/>
+              </a:ext>
+            </a:extLst>
+          </p:cNvPr>
+          <p:cNvSpPr>
+            <a:spLocks noGrp="1"/>
+          </p:cNvSpPr>
+          <p:nvPr>
+            <p:ph type="title"/>
+          </p:nvPr>
+        </p:nvSpPr>
+        <p:spPr/>
+        <p:txBody>
+          <a:bodyPr/>
+          <a:lstStyle/>
+          <a:p>
+            <a:r>
+              <a:rPr lang="pt-PT" dirty="0"/>
+              <a:t>Leitura do </a:t>
+            </a:r>
+            <a:r>
+              <a:rPr lang="pt-PT" dirty="0" err="1"/>
+              <a:t>Dataset</a:t>
+            </a:r>
+            <a:endParaRPr lang="pt-PT" dirty="0"/>
+          </a:p>
+        </p:txBody>
+      </p:sp>
+      <p:sp>
+        <p:nvSpPr>
+          <p:cNvPr id="3" name="Marcador de Posição de Conteúdo 2">
+            <a:extLst>
+              <a:ext uri="{FF2B5EF4-FFF2-40B4-BE49-F238E27FC236}">
+                <a16:creationId xmlns:a16="http://schemas.microsoft.com/office/drawing/2014/main" id="{2E1A88CA-F369-5114-C23C-CE4FB2ADDDD1}"/>
+              </a:ext>
+            </a:extLst>
+          </p:cNvPr>
+          <p:cNvSpPr>
+            <a:spLocks noGrp="1"/>
+          </p:cNvSpPr>
+          <p:nvPr>
+            <p:ph idx="1"/>
+          </p:nvPr>
+        </p:nvSpPr>
+        <p:spPr/>
+        <p:txBody>
+          <a:bodyPr/>
+          <a:lstStyle/>
+          <a:p>
+            <a:endParaRPr lang="pt-PT"/>
+          </a:p>
+        </p:txBody>
+      </p:sp>
+    </p:spTree>
+    <p:extLst>
+      <p:ext uri="{BB962C8B-B14F-4D97-AF65-F5344CB8AC3E}">
+        <p14:creationId xmlns:p14="http://schemas.microsoft.com/office/powerpoint/2010/main" val="1122571594"/>
+      </p:ext>
+    </p:extLst>
+  </p:cSld>
+  <p:clrMapOvr>
+    <a:masterClrMapping/>
+  </p:clrMapOvr>
+</p:sld>
+</file>
+
+<file path=ppt/slides/slide4.xml><?xml version="1.0" encoding="utf-8"?>
+<p:sld xmlns:a="http://schemas.openxmlformats.org/drawingml/2006/main" xmlns:r="http://schemas.openxmlformats.org/officeDocument/2006/relationships" xmlns:p="http://schemas.openxmlformats.org/presentationml/2006/main">
+  <p:cSld>
+    <p:spTree>
+      <p:nvGrpSpPr>
+        <p:cNvPr id="1" name=""/>
+        <p:cNvGrpSpPr/>
+        <p:nvPr/>
+      </p:nvGrpSpPr>
+      <p:grpSpPr>
+        <a:xfrm>
+          <a:off x="0" y="0"/>
+          <a:ext cx="0" cy="0"/>
+          <a:chOff x="0" y="0"/>
+          <a:chExt cx="0" cy="0"/>
+        </a:xfrm>
+      </p:grpSpPr>
+      <p:sp>
+        <p:nvSpPr>
+          <p:cNvPr id="2" name="Título 1">
+            <a:extLst>
+              <a:ext uri="{FF2B5EF4-FFF2-40B4-BE49-F238E27FC236}">
+                <a16:creationId xmlns:a16="http://schemas.microsoft.com/office/drawing/2014/main" id="{93B91650-6332-DA13-C4CE-DF09523987F0}"/>
+              </a:ext>
+            </a:extLst>
+          </p:cNvPr>
+          <p:cNvSpPr>
+            <a:spLocks noGrp="1"/>
+          </p:cNvSpPr>
+          <p:nvPr>
+            <p:ph type="title"/>
+          </p:nvPr>
+        </p:nvSpPr>
+        <p:spPr/>
+        <p:txBody>
+          <a:bodyPr/>
+          <a:lstStyle/>
+          <a:p>
+            <a:r>
+              <a:rPr lang="pt-PT" dirty="0"/>
+              <a:t>Grafo utilizado</a:t>
+            </a:r>
+          </a:p>
+        </p:txBody>
+      </p:sp>
+      <p:sp>
+        <p:nvSpPr>
+          <p:cNvPr id="3" name="Marcador de Posição de Conteúdo 2">
+            <a:extLst>
+              <a:ext uri="{FF2B5EF4-FFF2-40B4-BE49-F238E27FC236}">
+                <a16:creationId xmlns:a16="http://schemas.microsoft.com/office/drawing/2014/main" id="{23C46F1B-D557-605A-2ECC-6CD761334A04}"/>
+              </a:ext>
+            </a:extLst>
+          </p:cNvPr>
+          <p:cNvSpPr>
+            <a:spLocks noGrp="1"/>
+          </p:cNvSpPr>
+          <p:nvPr>
+            <p:ph idx="1"/>
+          </p:nvPr>
+        </p:nvSpPr>
+        <p:spPr/>
+        <p:txBody>
+          <a:bodyPr/>
+          <a:lstStyle/>
+          <a:p>
+            <a:endParaRPr lang="pt-PT"/>
+          </a:p>
+        </p:txBody>
+      </p:sp>
+    </p:spTree>
+    <p:extLst>
+      <p:ext uri="{BB962C8B-B14F-4D97-AF65-F5344CB8AC3E}">
+        <p14:creationId xmlns:p14="http://schemas.microsoft.com/office/powerpoint/2010/main" val="2153804496"/>
+      </p:ext>
+    </p:extLst>
+  </p:cSld>
+  <p:clrMapOvr>
+    <a:masterClrMapping/>
+  </p:clrMapOvr>
+</p:sld>
+</file>
+
+<file path=ppt/slides/slide5.xml><?xml version="1.0" encoding="utf-8"?>
+<p:sld xmlns:a="http://schemas.openxmlformats.org/drawingml/2006/main" xmlns:r="http://schemas.openxmlformats.org/officeDocument/2006/relationships" xmlns:p="http://schemas.openxmlformats.org/presentationml/2006/main">
+  <p:cSld>
+    <p:spTree>
+      <p:nvGrpSpPr>
+        <p:cNvPr id="1" name=""/>
+        <p:cNvGrpSpPr/>
+        <p:nvPr/>
+      </p:nvGrpSpPr>
+      <p:grpSpPr>
+        <a:xfrm>
+          <a:off x="0" y="0"/>
+          <a:ext cx="0" cy="0"/>
+          <a:chOff x="0" y="0"/>
+          <a:chExt cx="0" cy="0"/>
+        </a:xfrm>
+      </p:grpSpPr>
+      <p:sp>
+        <p:nvSpPr>
+          <p:cNvPr id="2" name="Título 1">
+            <a:extLst>
+              <a:ext uri="{FF2B5EF4-FFF2-40B4-BE49-F238E27FC236}">
+                <a16:creationId xmlns:a16="http://schemas.microsoft.com/office/drawing/2014/main" id="{102DE3FC-20DB-B9CD-1151-89FC145AAFCA}"/>
+              </a:ext>
+            </a:extLst>
+          </p:cNvPr>
+          <p:cNvSpPr>
+            <a:spLocks noGrp="1"/>
+          </p:cNvSpPr>
+          <p:nvPr>
+            <p:ph type="title"/>
+          </p:nvPr>
+        </p:nvSpPr>
+        <p:spPr/>
+        <p:txBody>
+          <a:bodyPr/>
+          <a:lstStyle/>
+          <a:p>
+            <a:r>
+              <a:rPr lang="pt-PT" dirty="0"/>
+              <a:t>Funcionalidades implementadas</a:t>
+            </a:r>
+          </a:p>
+        </p:txBody>
+      </p:sp>
+      <p:sp>
+        <p:nvSpPr>
+          <p:cNvPr id="3" name="Marcador de Posição de Conteúdo 2">
+            <a:extLst>
+              <a:ext uri="{FF2B5EF4-FFF2-40B4-BE49-F238E27FC236}">
+                <a16:creationId xmlns:a16="http://schemas.microsoft.com/office/drawing/2014/main" id="{2AEDB541-62D4-DDB3-812C-16C9E646C357}"/>
+              </a:ext>
+            </a:extLst>
+          </p:cNvPr>
+          <p:cNvSpPr>
+            <a:spLocks noGrp="1"/>
+          </p:cNvSpPr>
+          <p:nvPr>
+            <p:ph idx="1"/>
+          </p:nvPr>
+        </p:nvSpPr>
+        <p:spPr/>
+        <p:txBody>
+          <a:bodyPr/>
+          <a:lstStyle/>
+          <a:p>
+            <a:endParaRPr lang="pt-PT"/>
+          </a:p>
+        </p:txBody>
+      </p:sp>
+    </p:spTree>
+    <p:extLst>
+      <p:ext uri="{BB962C8B-B14F-4D97-AF65-F5344CB8AC3E}">
+        <p14:creationId xmlns:p14="http://schemas.microsoft.com/office/powerpoint/2010/main" val="1420032173"/>
+      </p:ext>
+    </p:extLst>
+  </p:cSld>
+  <p:clrMapOvr>
+    <a:masterClrMapping/>
+  </p:clrMapOvr>
+</p:sld>
+</file>
+
+<file path=ppt/slides/slide6.xml><?xml version="1.0" encoding="utf-8"?>
+<p:sld xmlns:a="http://schemas.openxmlformats.org/drawingml/2006/main" xmlns:r="http://schemas.openxmlformats.org/officeDocument/2006/relationships" xmlns:p="http://schemas.openxmlformats.org/presentationml/2006/main">
+  <p:cSld>
+    <p:spTree>
+      <p:nvGrpSpPr>
+        <p:cNvPr id="1" name=""/>
+        <p:cNvGrpSpPr/>
+        <p:nvPr/>
+      </p:nvGrpSpPr>
+      <p:grpSpPr>
+        <a:xfrm>
+          <a:off x="0" y="0"/>
+          <a:ext cx="0" cy="0"/>
+          <a:chOff x="0" y="0"/>
+          <a:chExt cx="0" cy="0"/>
+        </a:xfrm>
+      </p:grpSpPr>
+      <p:sp>
+        <p:nvSpPr>
+          <p:cNvPr id="2" name="Título 1">
+            <a:extLst>
+              <a:ext uri="{FF2B5EF4-FFF2-40B4-BE49-F238E27FC236}">
+                <a16:creationId xmlns:a16="http://schemas.microsoft.com/office/drawing/2014/main" id="{6366F0B9-87B8-B9AC-686D-6907DA21B35D}"/>
+              </a:ext>
+            </a:extLst>
+          </p:cNvPr>
+          <p:cNvSpPr>
+            <a:spLocks noGrp="1"/>
+          </p:cNvSpPr>
+          <p:nvPr>
+            <p:ph type="title"/>
+          </p:nvPr>
+        </p:nvSpPr>
+        <p:spPr/>
+        <p:txBody>
+          <a:bodyPr/>
+          <a:lstStyle/>
+          <a:p>
+            <a:r>
+              <a:rPr lang="pt-PT" dirty="0"/>
+              <a:t>Interface com o utilizador</a:t>
+            </a:r>
+          </a:p>
+        </p:txBody>
+      </p:sp>
+      <p:sp>
+        <p:nvSpPr>
+          <p:cNvPr id="3" name="Marcador de Posição de Conteúdo 2">
+            <a:extLst>
+              <a:ext uri="{FF2B5EF4-FFF2-40B4-BE49-F238E27FC236}">
+                <a16:creationId xmlns:a16="http://schemas.microsoft.com/office/drawing/2014/main" id="{D261097B-F4AD-C913-50A0-129B5B4F83EA}"/>
+              </a:ext>
+            </a:extLst>
+          </p:cNvPr>
+          <p:cNvSpPr>
+            <a:spLocks noGrp="1"/>
+          </p:cNvSpPr>
+          <p:nvPr>
+            <p:ph idx="1"/>
+          </p:nvPr>
+        </p:nvSpPr>
+        <p:spPr/>
+        <p:txBody>
+          <a:bodyPr/>
+          <a:lstStyle/>
+          <a:p>
+            <a:endParaRPr lang="pt-PT"/>
+          </a:p>
+        </p:txBody>
+      </p:sp>
+    </p:spTree>
+    <p:extLst>
+      <p:ext uri="{BB962C8B-B14F-4D97-AF65-F5344CB8AC3E}">
+        <p14:creationId xmlns:p14="http://schemas.microsoft.com/office/powerpoint/2010/main" val="1661919367"/>
+      </p:ext>
+    </p:extLst>
+  </p:cSld>
+  <p:clrMapOvr>
+    <a:masterClrMapping/>
+  </p:clrMapOvr>
+</p:sld>
+</file>
+
+<file path=ppt/slides/slide7.xml><?xml version="1.0" encoding="utf-8"?>
+<p:sld xmlns:a="http://schemas.openxmlformats.org/drawingml/2006/main" xmlns:r="http://schemas.openxmlformats.org/officeDocument/2006/relationships" xmlns:p="http://schemas.openxmlformats.org/presentationml/2006/main">
+  <p:cSld>
+    <p:spTree>
+      <p:nvGrpSpPr>
+        <p:cNvPr id="1" name=""/>
+        <p:cNvGrpSpPr/>
+        <p:nvPr/>
+      </p:nvGrpSpPr>
+      <p:grpSpPr>
+        <a:xfrm>
+          <a:off x="0" y="0"/>
+          <a:ext cx="0" cy="0"/>
+          <a:chOff x="0" y="0"/>
+          <a:chExt cx="0" cy="0"/>
+        </a:xfrm>
+      </p:grpSpPr>
+      <p:sp>
+        <p:nvSpPr>
+          <p:cNvPr id="2" name="Título 1">
+            <a:extLst>
+              <a:ext uri="{FF2B5EF4-FFF2-40B4-BE49-F238E27FC236}">
+                <a16:creationId xmlns:a16="http://schemas.microsoft.com/office/drawing/2014/main" id="{13A02896-D8C0-5E47-A576-3AC774E2B283}"/>
+              </a:ext>
+            </a:extLst>
+          </p:cNvPr>
+          <p:cNvSpPr>
+            <a:spLocks noGrp="1"/>
+          </p:cNvSpPr>
+          <p:nvPr>
+            <p:ph type="title"/>
+          </p:nvPr>
+        </p:nvSpPr>
+        <p:spPr/>
+        <p:txBody>
+          <a:bodyPr/>
+          <a:lstStyle/>
+          <a:p>
+            <a:r>
+              <a:rPr lang="pt-PT" dirty="0"/>
+              <a:t>Destaques</a:t>
+            </a:r>
+          </a:p>
+        </p:txBody>
+      </p:sp>
+      <p:sp>
+        <p:nvSpPr>
+          <p:cNvPr id="3" name="Marcador de Posição de Conteúdo 2">
+            <a:extLst>
+              <a:ext uri="{FF2B5EF4-FFF2-40B4-BE49-F238E27FC236}">
+                <a16:creationId xmlns:a16="http://schemas.microsoft.com/office/drawing/2014/main" id="{60E5ACBD-E919-5699-5ACB-36CB819A07D6}"/>
+              </a:ext>
+            </a:extLst>
+          </p:cNvPr>
+          <p:cNvSpPr>
+            <a:spLocks noGrp="1"/>
+          </p:cNvSpPr>
+          <p:nvPr>
+            <p:ph idx="1"/>
+          </p:nvPr>
+        </p:nvSpPr>
+        <p:spPr/>
+        <p:txBody>
+          <a:bodyPr/>
+          <a:lstStyle/>
+          <a:p>
+            <a:endParaRPr lang="pt-PT"/>
+          </a:p>
+        </p:txBody>
+      </p:sp>
+    </p:spTree>
+    <p:extLst>
+      <p:ext uri="{BB962C8B-B14F-4D97-AF65-F5344CB8AC3E}">
+        <p14:creationId xmlns:p14="http://schemas.microsoft.com/office/powerpoint/2010/main" val="964518169"/>
+      </p:ext>
+    </p:extLst>
+  </p:cSld>
+  <p:clrMapOvr>
+    <a:masterClrMapping/>
+  </p:clrMapOvr>
+</p:sld>
+</file>
+
+<file path=ppt/slides/slide8.xml><?xml version="1.0" encoding="utf-8"?>
+<p:sld xmlns:a="http://schemas.openxmlformats.org/drawingml/2006/main" xmlns:r="http://schemas.openxmlformats.org/officeDocument/2006/relationships" xmlns:p="http://schemas.openxmlformats.org/presentationml/2006/main">
+  <p:cSld>
+    <p:spTree>
+      <p:nvGrpSpPr>
+        <p:cNvPr id="1" name=""/>
+        <p:cNvGrpSpPr/>
+        <p:nvPr/>
+      </p:nvGrpSpPr>
+      <p:grpSpPr>
+        <a:xfrm>
+          <a:off x="0" y="0"/>
+          <a:ext cx="0" cy="0"/>
+          <a:chOff x="0" y="0"/>
+          <a:chExt cx="0" cy="0"/>
+        </a:xfrm>
+      </p:grpSpPr>
+      <p:sp>
+        <p:nvSpPr>
+          <p:cNvPr id="2" name="Título 1">
+            <a:extLst>
+              <a:ext uri="{FF2B5EF4-FFF2-40B4-BE49-F238E27FC236}">
+                <a16:creationId xmlns:a16="http://schemas.microsoft.com/office/drawing/2014/main" id="{B8430ED4-AA83-DDDF-CC33-45A7DE345B84}"/>
+              </a:ext>
+            </a:extLst>
+          </p:cNvPr>
+          <p:cNvSpPr>
+            <a:spLocks noGrp="1"/>
+          </p:cNvSpPr>
+          <p:nvPr>
+            <p:ph type="title"/>
+          </p:nvPr>
+        </p:nvSpPr>
+        <p:spPr/>
+        <p:txBody>
+          <a:bodyPr/>
+          <a:lstStyle/>
+          <a:p>
+            <a:r>
+              <a:rPr lang="pt-PT" dirty="0"/>
+              <a:t>Principais dificuldades encontradas</a:t>
+            </a:r>
+          </a:p>
+        </p:txBody>
+      </p:sp>
+      <p:sp>
+        <p:nvSpPr>
+          <p:cNvPr id="3" name="Marcador de Posição de Conteúdo 2">
+            <a:extLst>
+              <a:ext uri="{FF2B5EF4-FFF2-40B4-BE49-F238E27FC236}">
+                <a16:creationId xmlns:a16="http://schemas.microsoft.com/office/drawing/2014/main" id="{08C304DF-2456-88B1-BB12-4C927303EDDF}"/>
+              </a:ext>
+            </a:extLst>
+          </p:cNvPr>
+          <p:cNvSpPr>
+            <a:spLocks noGrp="1"/>
+          </p:cNvSpPr>
+          <p:nvPr>
+            <p:ph idx="1"/>
+          </p:nvPr>
+        </p:nvSpPr>
+        <p:spPr/>
+        <p:txBody>
+          <a:bodyPr/>
+          <a:lstStyle/>
+          <a:p>
+            <a:r>
+              <a:rPr lang="pt-PT" dirty="0"/>
+              <a:t>--</a:t>
+            </a:r>
+          </a:p>
+        </p:txBody>
+      </p:sp>
+    </p:spTree>
+    <p:extLst>
+      <p:ext uri="{BB962C8B-B14F-4D97-AF65-F5344CB8AC3E}">
+        <p14:creationId xmlns:p14="http://schemas.microsoft.com/office/powerpoint/2010/main" val="3493433091"/>
       </p:ext>
     </p:extLst>
   </p:cSld>

--- a/Apresentação.pptx
+++ b/Apresentação.pptx
@@ -3775,12 +3775,109 @@
             <p:ph idx="1"/>
           </p:nvPr>
         </p:nvSpPr>
-        <p:spPr/>
-        <p:txBody>
-          <a:bodyPr/>
-          <a:lstStyle/>
-          <a:p>
-            <a:endParaRPr lang="pt-PT"/>
+        <p:spPr>
+          <a:xfrm>
+            <a:off x="1963716" y="2629417"/>
+            <a:ext cx="8422487" cy="3400447"/>
+          </a:xfrm>
+        </p:spPr>
+        <p:txBody>
+          <a:bodyPr>
+            <a:normAutofit/>
+          </a:bodyPr>
+          <a:lstStyle/>
+          <a:p>
+            <a:r>
+              <a:rPr lang="pt-PT" sz="2000" dirty="0"/>
+              <a:t>Função </a:t>
+            </a:r>
+            <a:r>
+              <a:rPr lang="pt-PT" sz="2000" dirty="0" err="1"/>
+              <a:t>ifstream</a:t>
+            </a:r>
+            <a:r>
+              <a:rPr lang="pt-PT" sz="2000" dirty="0"/>
+              <a:t> </a:t>
+            </a:r>
+            <a:r>
+              <a:rPr lang="pt-PT" sz="2000" dirty="0">
+                <a:sym typeface="Wingdings" panose="05000000000000000000" pitchFamily="2" charset="2"/>
+              </a:rPr>
+              <a:t> Obter os ficheiros</a:t>
+            </a:r>
+            <a:r>
+              <a:rPr lang="pt-PT" sz="2000" dirty="0"/>
+              <a:t>;</a:t>
+            </a:r>
+          </a:p>
+          <a:p>
+            <a:r>
+              <a:rPr lang="pt-PT" sz="2000" dirty="0" err="1"/>
+              <a:t>Getline</a:t>
+            </a:r>
+            <a:r>
+              <a:rPr lang="pt-PT" sz="2000" dirty="0"/>
+              <a:t>(file, </a:t>
+            </a:r>
+            <a:r>
+              <a:rPr lang="pt-PT" sz="2000" dirty="0" err="1"/>
+              <a:t>line</a:t>
+            </a:r>
+            <a:r>
+              <a:rPr lang="pt-PT" sz="2000" dirty="0"/>
+              <a:t>) </a:t>
+            </a:r>
+            <a:r>
+              <a:rPr lang="pt-PT" sz="2000" dirty="0">
+                <a:sym typeface="Wingdings" panose="05000000000000000000" pitchFamily="2" charset="2"/>
+              </a:rPr>
+              <a:t> Primeira vez para saltar a primeira linha e depois fez-se um while </a:t>
+            </a:r>
+            <a:r>
+              <a:rPr lang="pt-PT" sz="2000" dirty="0" err="1">
+                <a:sym typeface="Wingdings" panose="05000000000000000000" pitchFamily="2" charset="2"/>
+              </a:rPr>
+              <a:t>loop</a:t>
+            </a:r>
+            <a:r>
+              <a:rPr lang="pt-PT" sz="2000" dirty="0">
+                <a:sym typeface="Wingdings" panose="05000000000000000000" pitchFamily="2" charset="2"/>
+              </a:rPr>
+              <a:t>  para percorrer cada linha</a:t>
+            </a:r>
+            <a:r>
+              <a:rPr lang="pt-PT" sz="2000" dirty="0"/>
+              <a:t>;</a:t>
+            </a:r>
+          </a:p>
+          <a:p>
+            <a:r>
+              <a:rPr lang="pt-PT" sz="2000" dirty="0" err="1"/>
+              <a:t>addEdge</a:t>
+            </a:r>
+            <a:r>
+              <a:rPr lang="pt-PT" sz="2000" dirty="0"/>
+              <a:t> </a:t>
+            </a:r>
+            <a:r>
+              <a:rPr lang="pt-PT" sz="2000" dirty="0">
+                <a:sym typeface="Wingdings" panose="05000000000000000000" pitchFamily="2" charset="2"/>
+              </a:rPr>
+              <a:t> Para adicionar um voo (</a:t>
+            </a:r>
+            <a:r>
+              <a:rPr lang="pt-PT" sz="2000" dirty="0" err="1">
+                <a:sym typeface="Wingdings" panose="05000000000000000000" pitchFamily="2" charset="2"/>
+              </a:rPr>
+              <a:t>edge</a:t>
+            </a:r>
+            <a:r>
+              <a:rPr lang="pt-PT" sz="2000" dirty="0">
+                <a:sym typeface="Wingdings" panose="05000000000000000000" pitchFamily="2" charset="2"/>
+              </a:rPr>
+              <a:t>) ao código correspondente (node)</a:t>
+            </a:r>
+            <a:endParaRPr lang="pt-PT" sz="2000" dirty="0"/>
           </a:p>
         </p:txBody>
       </p:sp>
@@ -3800,6 +3897,14 @@
 <file path=ppt/slides/slide4.xml><?xml version="1.0" encoding="utf-8"?>
 <p:sld xmlns:a="http://schemas.openxmlformats.org/drawingml/2006/main" xmlns:r="http://schemas.openxmlformats.org/officeDocument/2006/relationships" xmlns:p="http://schemas.openxmlformats.org/presentationml/2006/main">
   <p:cSld>
+    <p:bg>
+      <p:bgPr>
+        <a:solidFill>
+          <a:schemeClr val="accent2"/>
+        </a:solidFill>
+        <a:effectLst/>
+      </p:bgPr>
+    </p:bg>
     <p:spTree>
       <p:nvGrpSpPr>
         <p:cNvPr id="1" name=""/>
@@ -3830,13 +3935,20 @@
             <p:ph type="title"/>
           </p:nvPr>
         </p:nvSpPr>
-        <p:spPr/>
-        <p:txBody>
-          <a:bodyPr/>
-          <a:lstStyle/>
-          <a:p>
-            <a:r>
-              <a:rPr lang="pt-PT" dirty="0"/>
+        <p:spPr>
+          <a:xfrm>
+            <a:off x="8353887" y="1268799"/>
+            <a:ext cx="3044952" cy="1627632"/>
+          </a:xfrm>
+        </p:spPr>
+        <p:txBody>
+          <a:bodyPr vert="horz" lIns="274320" tIns="182880" rIns="274320" bIns="182880" rtlCol="0" anchor="ctr" anchorCtr="1">
+            <a:normAutofit/>
+          </a:bodyPr>
+          <a:lstStyle/>
+          <a:p>
+            <a:r>
+              <a:rPr lang="en-US"/>
               <a:t>Grafo utilizado</a:t>
             </a:r>
           </a:p>
@@ -3844,26 +3956,288 @@
       </p:sp>
       <p:sp>
         <p:nvSpPr>
-          <p:cNvPr id="3" name="Marcador de Posição de Conteúdo 2">
+          <p:cNvPr id="10" name="Rectangle 9">
             <a:extLst>
               <a:ext uri="{FF2B5EF4-FFF2-40B4-BE49-F238E27FC236}">
-                <a16:creationId xmlns:a16="http://schemas.microsoft.com/office/drawing/2014/main" id="{23C46F1B-D557-605A-2ECC-6CD761334A04}"/>
+                <a16:creationId xmlns:a16="http://schemas.microsoft.com/office/drawing/2014/main" id="{CB94C45D-FCB1-4B86-967A-2C9EDB637F0C}"/>
+              </a:ext>
+              <a:ext uri="{C183D7F6-B498-43B3-948B-1728B52AA6E4}">
+                <adec:decorative xmlns:adec="http://schemas.microsoft.com/office/drawing/2017/decorative" val="1"/>
               </a:ext>
             </a:extLst>
           </p:cNvPr>
           <p:cNvSpPr>
-            <a:spLocks noGrp="1"/>
-          </p:cNvSpPr>
-          <p:nvPr>
-            <p:ph idx="1"/>
-          </p:nvPr>
-        </p:nvSpPr>
-        <p:spPr/>
-        <p:txBody>
-          <a:bodyPr/>
-          <a:lstStyle/>
-          <a:p>
-            <a:endParaRPr lang="pt-PT"/>
+            <a:spLocks noGrp="1" noRot="1" noChangeAspect="1" noMove="1" noResize="1" noEditPoints="1" noAdjustHandles="1" noChangeArrowheads="1" noChangeShapeType="1" noTextEdit="1"/>
+          </p:cNvSpPr>
+          <p:nvPr>
+            <p:extLst>
+              <p:ext uri="{386F3935-93C4-4BCD-93E2-E3B085C9AB24}">
+                <p16:designElem xmlns:p16="http://schemas.microsoft.com/office/powerpoint/2015/main" val="1"/>
+              </p:ext>
+            </p:extLst>
+          </p:nvPr>
+        </p:nvSpPr>
+        <p:spPr>
+          <a:xfrm>
+            <a:off x="627045" y="640080"/>
+            <a:ext cx="6897625" cy="5263134"/>
+          </a:xfrm>
+          <a:prstGeom prst="rect">
+            <a:avLst/>
+          </a:prstGeom>
+          <a:noFill/>
+          <a:ln w="31750" cap="sq">
+            <a:solidFill>
+              <a:srgbClr val="FFFFFF"/>
+            </a:solidFill>
+            <a:miter lim="800000"/>
+          </a:ln>
+        </p:spPr>
+        <p:style>
+          <a:lnRef idx="2">
+            <a:schemeClr val="accent1">
+              <a:shade val="50000"/>
+            </a:schemeClr>
+          </a:lnRef>
+          <a:fillRef idx="1">
+            <a:schemeClr val="accent1"/>
+          </a:fillRef>
+          <a:effectRef idx="0">
+            <a:schemeClr val="accent1"/>
+          </a:effectRef>
+          <a:fontRef idx="minor">
+            <a:schemeClr val="lt1"/>
+          </a:fontRef>
+        </p:style>
+        <p:txBody>
+          <a:bodyPr rtlCol="0" anchor="ctr"/>
+          <a:lstStyle/>
+          <a:p>
+            <a:pPr algn="ctr"/>
+            <a:endParaRPr lang="en-US" dirty="0"/>
+          </a:p>
+        </p:txBody>
+      </p:sp>
+      <p:sp>
+        <p:nvSpPr>
+          <p:cNvPr id="12" name="Rectangle 11">
+            <a:extLst>
+              <a:ext uri="{FF2B5EF4-FFF2-40B4-BE49-F238E27FC236}">
+                <a16:creationId xmlns:a16="http://schemas.microsoft.com/office/drawing/2014/main" id="{232C4A34-762E-40DF-A8AF-0D811BC0258B}"/>
+              </a:ext>
+              <a:ext uri="{C183D7F6-B498-43B3-948B-1728B52AA6E4}">
+                <adec:decorative xmlns:adec="http://schemas.microsoft.com/office/drawing/2017/decorative" val="1"/>
+              </a:ext>
+            </a:extLst>
+          </p:cNvPr>
+          <p:cNvSpPr>
+            <a:spLocks noGrp="1" noRot="1" noChangeAspect="1" noMove="1" noResize="1" noEditPoints="1" noAdjustHandles="1" noChangeArrowheads="1" noChangeShapeType="1" noTextEdit="1"/>
+          </p:cNvSpPr>
+          <p:nvPr>
+            <p:extLst>
+              <p:ext uri="{386F3935-93C4-4BCD-93E2-E3B085C9AB24}">
+                <p16:designElem xmlns:p16="http://schemas.microsoft.com/office/powerpoint/2015/main" val="1"/>
+              </p:ext>
+            </p:extLst>
+          </p:nvPr>
+        </p:nvSpPr>
+        <p:spPr>
+          <a:xfrm>
+            <a:off x="793161" y="802767"/>
+            <a:ext cx="6565392" cy="4937760"/>
+          </a:xfrm>
+          <a:prstGeom prst="rect">
+            <a:avLst/>
+          </a:prstGeom>
+          <a:solidFill>
+            <a:srgbClr val="FFFFFF"/>
+          </a:solidFill>
+          <a:ln>
+            <a:noFill/>
+          </a:ln>
+        </p:spPr>
+        <p:style>
+          <a:lnRef idx="2">
+            <a:schemeClr val="accent1">
+              <a:shade val="50000"/>
+            </a:schemeClr>
+          </a:lnRef>
+          <a:fillRef idx="1">
+            <a:schemeClr val="accent1"/>
+          </a:fillRef>
+          <a:effectRef idx="0">
+            <a:schemeClr val="accent1"/>
+          </a:effectRef>
+          <a:fontRef idx="minor">
+            <a:schemeClr val="lt1"/>
+          </a:fontRef>
+        </p:style>
+        <p:txBody>
+          <a:bodyPr rtlCol="0" anchor="ctr"/>
+          <a:lstStyle/>
+          <a:p>
+            <a:pPr algn="ctr"/>
+            <a:endParaRPr lang="en-US"/>
+          </a:p>
+        </p:txBody>
+      </p:sp>
+      <p:pic>
+        <p:nvPicPr>
+          <p:cNvPr id="5" name="Imagem 4">
+            <a:extLst>
+              <a:ext uri="{FF2B5EF4-FFF2-40B4-BE49-F238E27FC236}">
+                <a16:creationId xmlns:a16="http://schemas.microsoft.com/office/drawing/2014/main" id="{F8C730F8-DB69-F633-9B08-FEF8214BE92C}"/>
+              </a:ext>
+            </a:extLst>
+          </p:cNvPr>
+          <p:cNvPicPr>
+            <a:picLocks noChangeAspect="1"/>
+          </p:cNvPicPr>
+          <p:nvPr/>
+        </p:nvPicPr>
+        <p:blipFill rotWithShape="1">
+          <a:blip r:embed="rId2"/>
+          <a:srcRect l="11687" r="11104"/>
+          <a:stretch/>
+        </p:blipFill>
+        <p:spPr>
+          <a:xfrm>
+            <a:off x="1113201" y="1122807"/>
+            <a:ext cx="5925312" cy="4297680"/>
+          </a:xfrm>
+          <a:prstGeom prst="rect">
+            <a:avLst/>
+          </a:prstGeom>
+        </p:spPr>
+      </p:pic>
+      <p:sp>
+        <p:nvSpPr>
+          <p:cNvPr id="6" name="Título 1">
+            <a:extLst>
+              <a:ext uri="{FF2B5EF4-FFF2-40B4-BE49-F238E27FC236}">
+                <a16:creationId xmlns:a16="http://schemas.microsoft.com/office/drawing/2014/main" id="{97E49104-2DAC-4669-364E-3E6E68BB8207}"/>
+              </a:ext>
+            </a:extLst>
+          </p:cNvPr>
+          <p:cNvSpPr txBox="1">
+            <a:spLocks/>
+          </p:cNvSpPr>
+          <p:nvPr/>
+        </p:nvSpPr>
+        <p:spPr bwMode="black">
+          <a:xfrm>
+            <a:off x="8022336" y="3961569"/>
+            <a:ext cx="3708053" cy="1627632"/>
+          </a:xfrm>
+          <a:prstGeom prst="rect">
+            <a:avLst/>
+          </a:prstGeom>
+          <a:solidFill>
+            <a:srgbClr val="FFFFFF"/>
+          </a:solidFill>
+          <a:ln w="31750" cap="sq">
+            <a:solidFill>
+              <a:srgbClr val="404040"/>
+            </a:solidFill>
+            <a:miter lim="800000"/>
+          </a:ln>
+        </p:spPr>
+        <p:txBody>
+          <a:bodyPr vert="horz" lIns="274320" tIns="182880" rIns="274320" bIns="182880" rtlCol="0" anchor="ctr" anchorCtr="1">
+            <a:normAutofit/>
+          </a:bodyPr>
+          <a:lstStyle>
+            <a:lvl1pPr algn="ctr" defTabSz="914400" rtl="0" eaLnBrk="1" latinLnBrk="0" hangingPunct="1">
+              <a:lnSpc>
+                <a:spcPct val="90000"/>
+              </a:lnSpc>
+              <a:spcBef>
+                <a:spcPct val="0"/>
+              </a:spcBef>
+              <a:buNone/>
+              <a:defRPr sz="2800" kern="1200" cap="all" spc="200" baseline="0">
+                <a:solidFill>
+                  <a:srgbClr val="262626"/>
+                </a:solidFill>
+                <a:latin typeface="+mj-lt"/>
+                <a:ea typeface="+mj-ea"/>
+                <a:cs typeface="+mj-cs"/>
+              </a:defRPr>
+            </a:lvl1pPr>
+          </a:lstStyle>
+          <a:p>
+            <a:r>
+              <a:rPr lang="en-US" sz="1800" dirty="0" err="1">
+                <a:latin typeface="+mn-lt"/>
+              </a:rPr>
+              <a:t>Representa</a:t>
+            </a:r>
+            <a:r>
+              <a:rPr lang="en-US" sz="1800" dirty="0">
+                <a:latin typeface="+mn-lt"/>
+              </a:rPr>
+              <a:t> </a:t>
+            </a:r>
+            <a:r>
+              <a:rPr lang="en-US" sz="1800" dirty="0" err="1">
+                <a:latin typeface="+mn-lt"/>
+              </a:rPr>
+              <a:t>os</a:t>
+            </a:r>
+            <a:r>
+              <a:rPr lang="en-US" sz="1800" dirty="0">
+                <a:latin typeface="+mn-lt"/>
+              </a:rPr>
+              <a:t> </a:t>
+            </a:r>
+            <a:r>
+              <a:rPr lang="en-US" sz="1800" dirty="0" err="1">
+                <a:latin typeface="+mn-lt"/>
+              </a:rPr>
+              <a:t>aeroportos</a:t>
+            </a:r>
+            <a:r>
+              <a:rPr lang="en-US" sz="1800" dirty="0">
+                <a:latin typeface="+mn-lt"/>
+              </a:rPr>
+              <a:t> (nodes) e </a:t>
+            </a:r>
+            <a:r>
+              <a:rPr lang="en-US" sz="1800" dirty="0" err="1">
+                <a:latin typeface="+mn-lt"/>
+              </a:rPr>
+              <a:t>os</a:t>
+            </a:r>
+            <a:r>
+              <a:rPr lang="en-US" sz="1800" dirty="0">
+                <a:latin typeface="+mn-lt"/>
+              </a:rPr>
+              <a:t> </a:t>
+            </a:r>
+            <a:r>
+              <a:rPr lang="en-US" sz="1800" dirty="0" err="1">
+                <a:latin typeface="+mn-lt"/>
+              </a:rPr>
+              <a:t>respetivos</a:t>
+            </a:r>
+            <a:r>
+              <a:rPr lang="en-US" sz="1800" dirty="0">
+                <a:latin typeface="+mn-lt"/>
+              </a:rPr>
+              <a:t> </a:t>
+            </a:r>
+            <a:r>
+              <a:rPr lang="en-US" sz="1800" dirty="0" err="1">
+                <a:latin typeface="+mn-lt"/>
+              </a:rPr>
+              <a:t>voos</a:t>
+            </a:r>
+            <a:r>
+              <a:rPr lang="en-US" sz="1800" dirty="0">
+                <a:latin typeface="+mn-lt"/>
+              </a:rPr>
+              <a:t> (edges)</a:t>
+            </a:r>
           </a:p>
         </p:txBody>
       </p:sp>
@@ -3877,6 +4251,137 @@
   <p:clrMapOvr>
     <a:masterClrMapping/>
   </p:clrMapOvr>
+  <p:timing>
+    <p:tnLst>
+      <p:par>
+        <p:cTn id="1" dur="indefinite" restart="never" nodeType="tmRoot">
+          <p:childTnLst>
+            <p:seq concurrent="1" nextAc="seek">
+              <p:cTn id="2" dur="indefinite" nodeType="mainSeq">
+                <p:childTnLst>
+                  <p:par>
+                    <p:cTn id="3" fill="hold">
+                      <p:stCondLst>
+                        <p:cond delay="indefinite"/>
+                        <p:cond evt="onBegin" delay="0">
+                          <p:tn val="2"/>
+                        </p:cond>
+                      </p:stCondLst>
+                      <p:childTnLst>
+                        <p:par>
+                          <p:cTn id="4" fill="hold">
+                            <p:stCondLst>
+                              <p:cond delay="0"/>
+                            </p:stCondLst>
+                            <p:childTnLst>
+                              <p:par>
+                                <p:cTn id="5" presetID="10" presetClass="entr" presetSubtype="0" fill="hold" grpId="0" nodeType="withEffect">
+                                  <p:stCondLst>
+                                    <p:cond delay="1000"/>
+                                  </p:stCondLst>
+                                  <p:iterate>
+                                    <p:tmPct val="10000"/>
+                                  </p:iterate>
+                                  <p:childTnLst>
+                                    <p:set>
+                                      <p:cBhvr>
+                                        <p:cTn id="6" dur="1" fill="hold">
+                                          <p:stCondLst>
+                                            <p:cond delay="0"/>
+                                          </p:stCondLst>
+                                        </p:cTn>
+                                        <p:tgtEl>
+                                          <p:spTgt spid="2"/>
+                                        </p:tgtEl>
+                                        <p:attrNameLst>
+                                          <p:attrName>style.visibility</p:attrName>
+                                        </p:attrNameLst>
+                                      </p:cBhvr>
+                                      <p:to>
+                                        <p:strVal val="visible"/>
+                                      </p:to>
+                                    </p:set>
+                                    <p:animEffect transition="in" filter="fade">
+                                      <p:cBhvr>
+                                        <p:cTn id="7" dur="700"/>
+                                        <p:tgtEl>
+                                          <p:spTgt spid="2"/>
+                                        </p:tgtEl>
+                                      </p:cBhvr>
+                                    </p:animEffect>
+                                  </p:childTnLst>
+                                </p:cTn>
+                              </p:par>
+                              <p:par>
+                                <p:cTn id="8" presetID="10" presetClass="entr" presetSubtype="0" fill="hold" grpId="0" nodeType="withEffect">
+                                  <p:stCondLst>
+                                    <p:cond delay="1000"/>
+                                  </p:stCondLst>
+                                  <p:iterate>
+                                    <p:tmPct val="10000"/>
+                                  </p:iterate>
+                                  <p:childTnLst>
+                                    <p:set>
+                                      <p:cBhvr>
+                                        <p:cTn id="9" dur="1" fill="hold">
+                                          <p:stCondLst>
+                                            <p:cond delay="0"/>
+                                          </p:stCondLst>
+                                        </p:cTn>
+                                        <p:tgtEl>
+                                          <p:spTgt spid="6"/>
+                                        </p:tgtEl>
+                                        <p:attrNameLst>
+                                          <p:attrName>style.visibility</p:attrName>
+                                        </p:attrNameLst>
+                                      </p:cBhvr>
+                                      <p:to>
+                                        <p:strVal val="visible"/>
+                                      </p:to>
+                                    </p:set>
+                                    <p:animEffect transition="in" filter="fade">
+                                      <p:cBhvr>
+                                        <p:cTn id="10" dur="700"/>
+                                        <p:tgtEl>
+                                          <p:spTgt spid="6"/>
+                                        </p:tgtEl>
+                                      </p:cBhvr>
+                                    </p:animEffect>
+                                  </p:childTnLst>
+                                </p:cTn>
+                              </p:par>
+                            </p:childTnLst>
+                          </p:cTn>
+                        </p:par>
+                      </p:childTnLst>
+                    </p:cTn>
+                  </p:par>
+                </p:childTnLst>
+              </p:cTn>
+              <p:prevCondLst>
+                <p:cond evt="onPrev" delay="0">
+                  <p:tgtEl>
+                    <p:sldTgt/>
+                  </p:tgtEl>
+                </p:cond>
+              </p:prevCondLst>
+              <p:nextCondLst>
+                <p:cond evt="onNext" delay="0">
+                  <p:tgtEl>
+                    <p:sldTgt/>
+                  </p:tgtEl>
+                </p:cond>
+              </p:nextCondLst>
+            </p:seq>
+          </p:childTnLst>
+        </p:cTn>
+      </p:par>
+    </p:tnLst>
+    <p:bldLst>
+      <p:bldP spid="2" grpId="0" animBg="1"/>
+      <p:bldP spid="6" grpId="0" animBg="1"/>
+    </p:bldLst>
+  </p:timing>
 </p:sld>
 </file>
 
@@ -4195,10 +4700,7 @@
           <a:bodyPr/>
           <a:lstStyle/>
           <a:p>
-            <a:r>
-              <a:rPr lang="pt-PT" dirty="0"/>
-              <a:t>--</a:t>
-            </a:r>
+            <a:endParaRPr lang="pt-PT" dirty="0"/>
           </a:p>
         </p:txBody>
       </p:sp>
